--- a/database/slides/AS_WE_PREPARE_TO_CELEBRATE.pptx
+++ b/database/slides/AS_WE_PREPARE_TO_CELEBRATE.pptx
@@ -15703,7 +15703,23 @@
                   <a:schemeClr val="lt1"/>
                 </a:solidFill>
               </a:rPr>
-              <a:t>Let us offer his our holy gift of praise.</a:t>
+              <a:t>Let us </a:t>
+            </a:r>
+            <a:r>
+              <a:rPr lang="en-GB" sz="3600" b="1">
+                <a:solidFill>
+                  <a:schemeClr val="lt1"/>
+                </a:solidFill>
+              </a:rPr>
+              <a:t>offer him our </a:t>
+            </a:r>
+            <a:r>
+              <a:rPr lang="en-GB" sz="3600" b="1" dirty="0">
+                <a:solidFill>
+                  <a:schemeClr val="lt1"/>
+                </a:solidFill>
+              </a:rPr>
+              <a:t>holy gift of praise.</a:t>
             </a:r>
           </a:p>
           <a:p>
